--- a/ppt 16-9/1576.是祢.pptx
+++ b/ppt 16-9/1576.是祢.pptx
@@ -129,7 +129,7 @@
           <p:cNvPr id="2" name="标题 1">
             <a:extLst>
               <a:ext uri="{FF2B5EF4-FFF2-40B4-BE49-F238E27FC236}">
-                <a16:creationId xmlns:a16="http://schemas.microsoft.com/office/drawing/2014/main" id="{EF2106DF-203A-4FFE-A43F-2BC8A9539EF9}"/>
+                <a16:creationId xmlns:a16="http://schemas.microsoft.com/office/drawing/2014/main" id="{F751753E-D83D-3FB3-D76A-F6F91F7E53DB}"/>
               </a:ext>
             </a:extLst>
           </p:cNvPr>
@@ -166,7 +166,7 @@
           <p:cNvPr id="3" name="副标题 2">
             <a:extLst>
               <a:ext uri="{FF2B5EF4-FFF2-40B4-BE49-F238E27FC236}">
-                <a16:creationId xmlns:a16="http://schemas.microsoft.com/office/drawing/2014/main" id="{2B76B2EF-9CAB-42E4-68EC-1930E35A6301}"/>
+                <a16:creationId xmlns:a16="http://schemas.microsoft.com/office/drawing/2014/main" id="{CAC8BC7D-6F50-F104-37BA-7FA4F85CB392}"/>
               </a:ext>
             </a:extLst>
           </p:cNvPr>
@@ -236,7 +236,7 @@
           <p:cNvPr id="4" name="日期占位符 3">
             <a:extLst>
               <a:ext uri="{FF2B5EF4-FFF2-40B4-BE49-F238E27FC236}">
-                <a16:creationId xmlns:a16="http://schemas.microsoft.com/office/drawing/2014/main" id="{D8615CA9-1145-3FD6-1719-210CEB374C19}"/>
+                <a16:creationId xmlns:a16="http://schemas.microsoft.com/office/drawing/2014/main" id="{68E9F111-EC46-FCBC-C1A8-F57BC38CC10E}"/>
               </a:ext>
             </a:extLst>
           </p:cNvPr>
@@ -252,7 +252,7 @@
           <a:bodyPr/>
           <a:lstStyle/>
           <a:p>
-            <a:fld id="{105625BE-D474-41FC-AD12-E0BE5E1FA45F}" type="datetimeFigureOut">
+            <a:fld id="{D434968A-0B1F-44D8-979F-568FEC0CF035}" type="datetimeFigureOut">
               <a:rPr lang="zh-CN" altLang="en-US" smtClean="0"/>
               <a:t>2024/3/10</a:t>
             </a:fld>
@@ -265,7 +265,7 @@
           <p:cNvPr id="5" name="页脚占位符 4">
             <a:extLst>
               <a:ext uri="{FF2B5EF4-FFF2-40B4-BE49-F238E27FC236}">
-                <a16:creationId xmlns:a16="http://schemas.microsoft.com/office/drawing/2014/main" id="{35CB8255-99E4-179C-0DEA-064CFD3550DC}"/>
+                <a16:creationId xmlns:a16="http://schemas.microsoft.com/office/drawing/2014/main" id="{8EC321A2-B5C5-DC86-1CD2-8CF8F9483D85}"/>
               </a:ext>
             </a:extLst>
           </p:cNvPr>
@@ -290,7 +290,7 @@
           <p:cNvPr id="6" name="灯片编号占位符 5">
             <a:extLst>
               <a:ext uri="{FF2B5EF4-FFF2-40B4-BE49-F238E27FC236}">
-                <a16:creationId xmlns:a16="http://schemas.microsoft.com/office/drawing/2014/main" id="{62445211-6B6B-FBC8-EB57-16ADF39DB289}"/>
+                <a16:creationId xmlns:a16="http://schemas.microsoft.com/office/drawing/2014/main" id="{A1F44B20-722F-E296-A7C6-701ADD16F3E2}"/>
               </a:ext>
             </a:extLst>
           </p:cNvPr>
@@ -306,7 +306,7 @@
           <a:bodyPr/>
           <a:lstStyle/>
           <a:p>
-            <a:fld id="{9E07F38E-4341-4B0B-B52D-CDC9F2020C56}" type="slidenum">
+            <a:fld id="{A1D9805C-A1E9-4473-AB26-B00F8E6323A3}" type="slidenum">
               <a:rPr lang="zh-CN" altLang="en-US" smtClean="0"/>
               <a:t>‹#›</a:t>
             </a:fld>
@@ -317,7 +317,7 @@
     </p:spTree>
     <p:extLst>
       <p:ext uri="{BB962C8B-B14F-4D97-AF65-F5344CB8AC3E}">
-        <p14:creationId xmlns:p14="http://schemas.microsoft.com/office/powerpoint/2010/main" val="633026562"/>
+        <p14:creationId xmlns:p14="http://schemas.microsoft.com/office/powerpoint/2010/main" val="572417802"/>
       </p:ext>
     </p:extLst>
   </p:cSld>
@@ -349,7 +349,7 @@
           <p:cNvPr id="2" name="标题 1">
             <a:extLst>
               <a:ext uri="{FF2B5EF4-FFF2-40B4-BE49-F238E27FC236}">
-                <a16:creationId xmlns:a16="http://schemas.microsoft.com/office/drawing/2014/main" id="{C1D08824-85C7-30BB-4235-DFD4D8C260EC}"/>
+                <a16:creationId xmlns:a16="http://schemas.microsoft.com/office/drawing/2014/main" id="{980A7F9B-E84F-59EE-2513-3B826E706C0D}"/>
               </a:ext>
             </a:extLst>
           </p:cNvPr>
@@ -377,7 +377,7 @@
           <p:cNvPr id="3" name="竖排文字占位符 2">
             <a:extLst>
               <a:ext uri="{FF2B5EF4-FFF2-40B4-BE49-F238E27FC236}">
-                <a16:creationId xmlns:a16="http://schemas.microsoft.com/office/drawing/2014/main" id="{78FF05C7-4D63-0629-0F10-091F6FCA4C80}"/>
+                <a16:creationId xmlns:a16="http://schemas.microsoft.com/office/drawing/2014/main" id="{DE2B7BE1-C402-A1FE-FC64-F8E2A0EFF680}"/>
               </a:ext>
             </a:extLst>
           </p:cNvPr>
@@ -434,7 +434,7 @@
           <p:cNvPr id="4" name="日期占位符 3">
             <a:extLst>
               <a:ext uri="{FF2B5EF4-FFF2-40B4-BE49-F238E27FC236}">
-                <a16:creationId xmlns:a16="http://schemas.microsoft.com/office/drawing/2014/main" id="{33A82ADC-4292-7106-5933-1399A5DA36A9}"/>
+                <a16:creationId xmlns:a16="http://schemas.microsoft.com/office/drawing/2014/main" id="{9B903023-A74A-FB9A-CD1C-1A0586F9D3D9}"/>
               </a:ext>
             </a:extLst>
           </p:cNvPr>
@@ -450,7 +450,7 @@
           <a:bodyPr/>
           <a:lstStyle/>
           <a:p>
-            <a:fld id="{105625BE-D474-41FC-AD12-E0BE5E1FA45F}" type="datetimeFigureOut">
+            <a:fld id="{D434968A-0B1F-44D8-979F-568FEC0CF035}" type="datetimeFigureOut">
               <a:rPr lang="zh-CN" altLang="en-US" smtClean="0"/>
               <a:t>2024/3/10</a:t>
             </a:fld>
@@ -463,7 +463,7 @@
           <p:cNvPr id="5" name="页脚占位符 4">
             <a:extLst>
               <a:ext uri="{FF2B5EF4-FFF2-40B4-BE49-F238E27FC236}">
-                <a16:creationId xmlns:a16="http://schemas.microsoft.com/office/drawing/2014/main" id="{951D1EFB-B7C9-5D03-9062-E8CD4CABCE07}"/>
+                <a16:creationId xmlns:a16="http://schemas.microsoft.com/office/drawing/2014/main" id="{76EC3C64-C275-ABB6-8539-4AF77DAA362E}"/>
               </a:ext>
             </a:extLst>
           </p:cNvPr>
@@ -488,7 +488,7 @@
           <p:cNvPr id="6" name="灯片编号占位符 5">
             <a:extLst>
               <a:ext uri="{FF2B5EF4-FFF2-40B4-BE49-F238E27FC236}">
-                <a16:creationId xmlns:a16="http://schemas.microsoft.com/office/drawing/2014/main" id="{0BDB2660-D694-CDCA-2CED-8657A47B976D}"/>
+                <a16:creationId xmlns:a16="http://schemas.microsoft.com/office/drawing/2014/main" id="{6CDCA0ED-7C72-B9E0-4119-BE76061C7B44}"/>
               </a:ext>
             </a:extLst>
           </p:cNvPr>
@@ -504,7 +504,7 @@
           <a:bodyPr/>
           <a:lstStyle/>
           <a:p>
-            <a:fld id="{9E07F38E-4341-4B0B-B52D-CDC9F2020C56}" type="slidenum">
+            <a:fld id="{A1D9805C-A1E9-4473-AB26-B00F8E6323A3}" type="slidenum">
               <a:rPr lang="zh-CN" altLang="en-US" smtClean="0"/>
               <a:t>‹#›</a:t>
             </a:fld>
@@ -515,7 +515,7 @@
     </p:spTree>
     <p:extLst>
       <p:ext uri="{BB962C8B-B14F-4D97-AF65-F5344CB8AC3E}">
-        <p14:creationId xmlns:p14="http://schemas.microsoft.com/office/powerpoint/2010/main" val="3863361129"/>
+        <p14:creationId xmlns:p14="http://schemas.microsoft.com/office/powerpoint/2010/main" val="1735457482"/>
       </p:ext>
     </p:extLst>
   </p:cSld>
@@ -547,7 +547,7 @@
           <p:cNvPr id="2" name="竖排标题 1">
             <a:extLst>
               <a:ext uri="{FF2B5EF4-FFF2-40B4-BE49-F238E27FC236}">
-                <a16:creationId xmlns:a16="http://schemas.microsoft.com/office/drawing/2014/main" id="{6813CED1-B407-83D7-5CDF-23D2F16F513F}"/>
+                <a16:creationId xmlns:a16="http://schemas.microsoft.com/office/drawing/2014/main" id="{E831C10A-BFCC-5B12-FAC9-650F040241B9}"/>
               </a:ext>
             </a:extLst>
           </p:cNvPr>
@@ -580,7 +580,7 @@
           <p:cNvPr id="3" name="竖排文字占位符 2">
             <a:extLst>
               <a:ext uri="{FF2B5EF4-FFF2-40B4-BE49-F238E27FC236}">
-                <a16:creationId xmlns:a16="http://schemas.microsoft.com/office/drawing/2014/main" id="{DD18842C-9A10-24FD-5719-FE3E471F4BC4}"/>
+                <a16:creationId xmlns:a16="http://schemas.microsoft.com/office/drawing/2014/main" id="{38E262D5-1DF2-8441-4C6D-6D77801E7653}"/>
               </a:ext>
             </a:extLst>
           </p:cNvPr>
@@ -642,7 +642,7 @@
           <p:cNvPr id="4" name="日期占位符 3">
             <a:extLst>
               <a:ext uri="{FF2B5EF4-FFF2-40B4-BE49-F238E27FC236}">
-                <a16:creationId xmlns:a16="http://schemas.microsoft.com/office/drawing/2014/main" id="{8F2A63E1-7932-52BF-79B7-8845BE6E4175}"/>
+                <a16:creationId xmlns:a16="http://schemas.microsoft.com/office/drawing/2014/main" id="{5F1D7894-4E2C-16AF-FBC6-F7D132DF031F}"/>
               </a:ext>
             </a:extLst>
           </p:cNvPr>
@@ -658,7 +658,7 @@
           <a:bodyPr/>
           <a:lstStyle/>
           <a:p>
-            <a:fld id="{105625BE-D474-41FC-AD12-E0BE5E1FA45F}" type="datetimeFigureOut">
+            <a:fld id="{D434968A-0B1F-44D8-979F-568FEC0CF035}" type="datetimeFigureOut">
               <a:rPr lang="zh-CN" altLang="en-US" smtClean="0"/>
               <a:t>2024/3/10</a:t>
             </a:fld>
@@ -671,7 +671,7 @@
           <p:cNvPr id="5" name="页脚占位符 4">
             <a:extLst>
               <a:ext uri="{FF2B5EF4-FFF2-40B4-BE49-F238E27FC236}">
-                <a16:creationId xmlns:a16="http://schemas.microsoft.com/office/drawing/2014/main" id="{3586A81A-1B31-6A09-5027-536A87881D62}"/>
+                <a16:creationId xmlns:a16="http://schemas.microsoft.com/office/drawing/2014/main" id="{7729C72A-84DE-FFB0-205F-F4A4E5582B34}"/>
               </a:ext>
             </a:extLst>
           </p:cNvPr>
@@ -696,7 +696,7 @@
           <p:cNvPr id="6" name="灯片编号占位符 5">
             <a:extLst>
               <a:ext uri="{FF2B5EF4-FFF2-40B4-BE49-F238E27FC236}">
-                <a16:creationId xmlns:a16="http://schemas.microsoft.com/office/drawing/2014/main" id="{E472CE6A-9B70-7712-A93C-C518F316C749}"/>
+                <a16:creationId xmlns:a16="http://schemas.microsoft.com/office/drawing/2014/main" id="{A5DC001E-1114-A3B8-52C6-783A458090F5}"/>
               </a:ext>
             </a:extLst>
           </p:cNvPr>
@@ -712,7 +712,7 @@
           <a:bodyPr/>
           <a:lstStyle/>
           <a:p>
-            <a:fld id="{9E07F38E-4341-4B0B-B52D-CDC9F2020C56}" type="slidenum">
+            <a:fld id="{A1D9805C-A1E9-4473-AB26-B00F8E6323A3}" type="slidenum">
               <a:rPr lang="zh-CN" altLang="en-US" smtClean="0"/>
               <a:t>‹#›</a:t>
             </a:fld>
@@ -723,7 +723,7 @@
     </p:spTree>
     <p:extLst>
       <p:ext uri="{BB962C8B-B14F-4D97-AF65-F5344CB8AC3E}">
-        <p14:creationId xmlns:p14="http://schemas.microsoft.com/office/powerpoint/2010/main" val="867452057"/>
+        <p14:creationId xmlns:p14="http://schemas.microsoft.com/office/powerpoint/2010/main" val="3597306950"/>
       </p:ext>
     </p:extLst>
   </p:cSld>
@@ -755,7 +755,7 @@
           <p:cNvPr id="2" name="标题 1">
             <a:extLst>
               <a:ext uri="{FF2B5EF4-FFF2-40B4-BE49-F238E27FC236}">
-                <a16:creationId xmlns:a16="http://schemas.microsoft.com/office/drawing/2014/main" id="{11164611-60A5-D359-CBA1-210C836B6B00}"/>
+                <a16:creationId xmlns:a16="http://schemas.microsoft.com/office/drawing/2014/main" id="{82C46088-944F-BA76-D769-B34C9E4ED1A7}"/>
               </a:ext>
             </a:extLst>
           </p:cNvPr>
@@ -783,7 +783,7 @@
           <p:cNvPr id="3" name="内容占位符 2">
             <a:extLst>
               <a:ext uri="{FF2B5EF4-FFF2-40B4-BE49-F238E27FC236}">
-                <a16:creationId xmlns:a16="http://schemas.microsoft.com/office/drawing/2014/main" id="{975EBAB9-DBBD-CCFA-7767-1DE90B051238}"/>
+                <a16:creationId xmlns:a16="http://schemas.microsoft.com/office/drawing/2014/main" id="{C18F1E03-D732-395B-7106-BDA15958F2E1}"/>
               </a:ext>
             </a:extLst>
           </p:cNvPr>
@@ -840,7 +840,7 @@
           <p:cNvPr id="4" name="日期占位符 3">
             <a:extLst>
               <a:ext uri="{FF2B5EF4-FFF2-40B4-BE49-F238E27FC236}">
-                <a16:creationId xmlns:a16="http://schemas.microsoft.com/office/drawing/2014/main" id="{E3823651-1969-468E-C3A8-0494F2A82BF5}"/>
+                <a16:creationId xmlns:a16="http://schemas.microsoft.com/office/drawing/2014/main" id="{0CBAAF0B-3697-B339-5FD7-605B2A7EBDDC}"/>
               </a:ext>
             </a:extLst>
           </p:cNvPr>
@@ -856,7 +856,7 @@
           <a:bodyPr/>
           <a:lstStyle/>
           <a:p>
-            <a:fld id="{105625BE-D474-41FC-AD12-E0BE5E1FA45F}" type="datetimeFigureOut">
+            <a:fld id="{D434968A-0B1F-44D8-979F-568FEC0CF035}" type="datetimeFigureOut">
               <a:rPr lang="zh-CN" altLang="en-US" smtClean="0"/>
               <a:t>2024/3/10</a:t>
             </a:fld>
@@ -869,7 +869,7 @@
           <p:cNvPr id="5" name="页脚占位符 4">
             <a:extLst>
               <a:ext uri="{FF2B5EF4-FFF2-40B4-BE49-F238E27FC236}">
-                <a16:creationId xmlns:a16="http://schemas.microsoft.com/office/drawing/2014/main" id="{6B81F34A-F1EF-E81A-2144-B5FD7074F6E9}"/>
+                <a16:creationId xmlns:a16="http://schemas.microsoft.com/office/drawing/2014/main" id="{FE27E297-9A7A-F0C0-AB34-8425C5482AB8}"/>
               </a:ext>
             </a:extLst>
           </p:cNvPr>
@@ -894,7 +894,7 @@
           <p:cNvPr id="6" name="灯片编号占位符 5">
             <a:extLst>
               <a:ext uri="{FF2B5EF4-FFF2-40B4-BE49-F238E27FC236}">
-                <a16:creationId xmlns:a16="http://schemas.microsoft.com/office/drawing/2014/main" id="{3E90E0E3-455F-CA9D-D388-B6C6AE9017EB}"/>
+                <a16:creationId xmlns:a16="http://schemas.microsoft.com/office/drawing/2014/main" id="{02584838-BCBE-1B86-8636-C9BFADBB8AA0}"/>
               </a:ext>
             </a:extLst>
           </p:cNvPr>
@@ -910,7 +910,7 @@
           <a:bodyPr/>
           <a:lstStyle/>
           <a:p>
-            <a:fld id="{9E07F38E-4341-4B0B-B52D-CDC9F2020C56}" type="slidenum">
+            <a:fld id="{A1D9805C-A1E9-4473-AB26-B00F8E6323A3}" type="slidenum">
               <a:rPr lang="zh-CN" altLang="en-US" smtClean="0"/>
               <a:t>‹#›</a:t>
             </a:fld>
@@ -921,7 +921,7 @@
     </p:spTree>
     <p:extLst>
       <p:ext uri="{BB962C8B-B14F-4D97-AF65-F5344CB8AC3E}">
-        <p14:creationId xmlns:p14="http://schemas.microsoft.com/office/powerpoint/2010/main" val="2905054886"/>
+        <p14:creationId xmlns:p14="http://schemas.microsoft.com/office/powerpoint/2010/main" val="989748893"/>
       </p:ext>
     </p:extLst>
   </p:cSld>
@@ -953,7 +953,7 @@
           <p:cNvPr id="2" name="标题 1">
             <a:extLst>
               <a:ext uri="{FF2B5EF4-FFF2-40B4-BE49-F238E27FC236}">
-                <a16:creationId xmlns:a16="http://schemas.microsoft.com/office/drawing/2014/main" id="{E32684E4-8EF7-FAE8-725B-1474A267733E}"/>
+                <a16:creationId xmlns:a16="http://schemas.microsoft.com/office/drawing/2014/main" id="{B0F4E235-3998-5213-1729-A8A30156F7A0}"/>
               </a:ext>
             </a:extLst>
           </p:cNvPr>
@@ -990,7 +990,7 @@
           <p:cNvPr id="3" name="文本占位符 2">
             <a:extLst>
               <a:ext uri="{FF2B5EF4-FFF2-40B4-BE49-F238E27FC236}">
-                <a16:creationId xmlns:a16="http://schemas.microsoft.com/office/drawing/2014/main" id="{4DB00490-46F8-6339-D032-4A7D14862EFC}"/>
+                <a16:creationId xmlns:a16="http://schemas.microsoft.com/office/drawing/2014/main" id="{9C19E176-04EF-859A-7386-F15BB130DE38}"/>
               </a:ext>
             </a:extLst>
           </p:cNvPr>
@@ -1115,7 +1115,7 @@
           <p:cNvPr id="4" name="日期占位符 3">
             <a:extLst>
               <a:ext uri="{FF2B5EF4-FFF2-40B4-BE49-F238E27FC236}">
-                <a16:creationId xmlns:a16="http://schemas.microsoft.com/office/drawing/2014/main" id="{0AF9F517-3513-12AA-235C-636FDC6C69E6}"/>
+                <a16:creationId xmlns:a16="http://schemas.microsoft.com/office/drawing/2014/main" id="{28A2B602-0926-DE3E-5D21-B05C056AA3BD}"/>
               </a:ext>
             </a:extLst>
           </p:cNvPr>
@@ -1131,7 +1131,7 @@
           <a:bodyPr/>
           <a:lstStyle/>
           <a:p>
-            <a:fld id="{105625BE-D474-41FC-AD12-E0BE5E1FA45F}" type="datetimeFigureOut">
+            <a:fld id="{D434968A-0B1F-44D8-979F-568FEC0CF035}" type="datetimeFigureOut">
               <a:rPr lang="zh-CN" altLang="en-US" smtClean="0"/>
               <a:t>2024/3/10</a:t>
             </a:fld>
@@ -1144,7 +1144,7 @@
           <p:cNvPr id="5" name="页脚占位符 4">
             <a:extLst>
               <a:ext uri="{FF2B5EF4-FFF2-40B4-BE49-F238E27FC236}">
-                <a16:creationId xmlns:a16="http://schemas.microsoft.com/office/drawing/2014/main" id="{FBEA0699-3527-673F-CA38-FE4987D02EB7}"/>
+                <a16:creationId xmlns:a16="http://schemas.microsoft.com/office/drawing/2014/main" id="{28ABC6BE-97C3-A4B0-29E7-06D2C5C156EB}"/>
               </a:ext>
             </a:extLst>
           </p:cNvPr>
@@ -1169,7 +1169,7 @@
           <p:cNvPr id="6" name="灯片编号占位符 5">
             <a:extLst>
               <a:ext uri="{FF2B5EF4-FFF2-40B4-BE49-F238E27FC236}">
-                <a16:creationId xmlns:a16="http://schemas.microsoft.com/office/drawing/2014/main" id="{75ABAC2B-63E4-71DD-BE6C-2FCA06C241BE}"/>
+                <a16:creationId xmlns:a16="http://schemas.microsoft.com/office/drawing/2014/main" id="{7CCE9F7B-3E2D-3931-1166-0AD86F299B3E}"/>
               </a:ext>
             </a:extLst>
           </p:cNvPr>
@@ -1185,7 +1185,7 @@
           <a:bodyPr/>
           <a:lstStyle/>
           <a:p>
-            <a:fld id="{9E07F38E-4341-4B0B-B52D-CDC9F2020C56}" type="slidenum">
+            <a:fld id="{A1D9805C-A1E9-4473-AB26-B00F8E6323A3}" type="slidenum">
               <a:rPr lang="zh-CN" altLang="en-US" smtClean="0"/>
               <a:t>‹#›</a:t>
             </a:fld>
@@ -1196,7 +1196,7 @@
     </p:spTree>
     <p:extLst>
       <p:ext uri="{BB962C8B-B14F-4D97-AF65-F5344CB8AC3E}">
-        <p14:creationId xmlns:p14="http://schemas.microsoft.com/office/powerpoint/2010/main" val="1296244589"/>
+        <p14:creationId xmlns:p14="http://schemas.microsoft.com/office/powerpoint/2010/main" val="887465001"/>
       </p:ext>
     </p:extLst>
   </p:cSld>
@@ -1228,7 +1228,7 @@
           <p:cNvPr id="2" name="标题 1">
             <a:extLst>
               <a:ext uri="{FF2B5EF4-FFF2-40B4-BE49-F238E27FC236}">
-                <a16:creationId xmlns:a16="http://schemas.microsoft.com/office/drawing/2014/main" id="{B344BB47-A106-AE87-7393-A123C2D68E9A}"/>
+                <a16:creationId xmlns:a16="http://schemas.microsoft.com/office/drawing/2014/main" id="{C4045525-EB78-7481-AC74-46AD8F1F1466}"/>
               </a:ext>
             </a:extLst>
           </p:cNvPr>
@@ -1256,7 +1256,7 @@
           <p:cNvPr id="3" name="内容占位符 2">
             <a:extLst>
               <a:ext uri="{FF2B5EF4-FFF2-40B4-BE49-F238E27FC236}">
-                <a16:creationId xmlns:a16="http://schemas.microsoft.com/office/drawing/2014/main" id="{0BE7A956-B01E-5264-4313-44927C4E050F}"/>
+                <a16:creationId xmlns:a16="http://schemas.microsoft.com/office/drawing/2014/main" id="{7E76A925-2485-FA4A-EB31-F47C0F557AC4}"/>
               </a:ext>
             </a:extLst>
           </p:cNvPr>
@@ -1318,7 +1318,7 @@
           <p:cNvPr id="4" name="内容占位符 3">
             <a:extLst>
               <a:ext uri="{FF2B5EF4-FFF2-40B4-BE49-F238E27FC236}">
-                <a16:creationId xmlns:a16="http://schemas.microsoft.com/office/drawing/2014/main" id="{55278560-8741-DC02-DBA5-48A5E345328B}"/>
+                <a16:creationId xmlns:a16="http://schemas.microsoft.com/office/drawing/2014/main" id="{3238FB47-9674-19A6-0258-ACDA05227FA1}"/>
               </a:ext>
             </a:extLst>
           </p:cNvPr>
@@ -1380,7 +1380,7 @@
           <p:cNvPr id="5" name="日期占位符 4">
             <a:extLst>
               <a:ext uri="{FF2B5EF4-FFF2-40B4-BE49-F238E27FC236}">
-                <a16:creationId xmlns:a16="http://schemas.microsoft.com/office/drawing/2014/main" id="{E0461F7E-99CE-EDDD-EA75-2989ADF676DE}"/>
+                <a16:creationId xmlns:a16="http://schemas.microsoft.com/office/drawing/2014/main" id="{BBE454C6-114E-77E6-7265-16FE863EB1AF}"/>
               </a:ext>
             </a:extLst>
           </p:cNvPr>
@@ -1396,7 +1396,7 @@
           <a:bodyPr/>
           <a:lstStyle/>
           <a:p>
-            <a:fld id="{105625BE-D474-41FC-AD12-E0BE5E1FA45F}" type="datetimeFigureOut">
+            <a:fld id="{D434968A-0B1F-44D8-979F-568FEC0CF035}" type="datetimeFigureOut">
               <a:rPr lang="zh-CN" altLang="en-US" smtClean="0"/>
               <a:t>2024/3/10</a:t>
             </a:fld>
@@ -1409,7 +1409,7 @@
           <p:cNvPr id="6" name="页脚占位符 5">
             <a:extLst>
               <a:ext uri="{FF2B5EF4-FFF2-40B4-BE49-F238E27FC236}">
-                <a16:creationId xmlns:a16="http://schemas.microsoft.com/office/drawing/2014/main" id="{118E1216-CFE5-5B31-3879-9247C688439B}"/>
+                <a16:creationId xmlns:a16="http://schemas.microsoft.com/office/drawing/2014/main" id="{28FE21D6-6EC0-D2B6-6E48-173043F0EAE0}"/>
               </a:ext>
             </a:extLst>
           </p:cNvPr>
@@ -1434,7 +1434,7 @@
           <p:cNvPr id="7" name="灯片编号占位符 6">
             <a:extLst>
               <a:ext uri="{FF2B5EF4-FFF2-40B4-BE49-F238E27FC236}">
-                <a16:creationId xmlns:a16="http://schemas.microsoft.com/office/drawing/2014/main" id="{3D451919-54C8-FE4F-E078-D18C22D0690B}"/>
+                <a16:creationId xmlns:a16="http://schemas.microsoft.com/office/drawing/2014/main" id="{D5A0E983-5FFB-7728-4AB6-9E72335961E5}"/>
               </a:ext>
             </a:extLst>
           </p:cNvPr>
@@ -1450,7 +1450,7 @@
           <a:bodyPr/>
           <a:lstStyle/>
           <a:p>
-            <a:fld id="{9E07F38E-4341-4B0B-B52D-CDC9F2020C56}" type="slidenum">
+            <a:fld id="{A1D9805C-A1E9-4473-AB26-B00F8E6323A3}" type="slidenum">
               <a:rPr lang="zh-CN" altLang="en-US" smtClean="0"/>
               <a:t>‹#›</a:t>
             </a:fld>
@@ -1461,7 +1461,7 @@
     </p:spTree>
     <p:extLst>
       <p:ext uri="{BB962C8B-B14F-4D97-AF65-F5344CB8AC3E}">
-        <p14:creationId xmlns:p14="http://schemas.microsoft.com/office/powerpoint/2010/main" val="4063054345"/>
+        <p14:creationId xmlns:p14="http://schemas.microsoft.com/office/powerpoint/2010/main" val="3487716386"/>
       </p:ext>
     </p:extLst>
   </p:cSld>
@@ -1493,7 +1493,7 @@
           <p:cNvPr id="2" name="标题 1">
             <a:extLst>
               <a:ext uri="{FF2B5EF4-FFF2-40B4-BE49-F238E27FC236}">
-                <a16:creationId xmlns:a16="http://schemas.microsoft.com/office/drawing/2014/main" id="{F79ED75D-4451-22BC-EDAC-C609CC26A664}"/>
+                <a16:creationId xmlns:a16="http://schemas.microsoft.com/office/drawing/2014/main" id="{0BA81E07-1212-BA4B-B0B1-D22CC0FE03E8}"/>
               </a:ext>
             </a:extLst>
           </p:cNvPr>
@@ -1526,7 +1526,7 @@
           <p:cNvPr id="3" name="文本占位符 2">
             <a:extLst>
               <a:ext uri="{FF2B5EF4-FFF2-40B4-BE49-F238E27FC236}">
-                <a16:creationId xmlns:a16="http://schemas.microsoft.com/office/drawing/2014/main" id="{70590010-6813-4592-27F4-EACBF733A086}"/>
+                <a16:creationId xmlns:a16="http://schemas.microsoft.com/office/drawing/2014/main" id="{4F2C55D8-D9DF-DC26-5DBD-887D0A3D3CA1}"/>
               </a:ext>
             </a:extLst>
           </p:cNvPr>
@@ -1597,7 +1597,7 @@
           <p:cNvPr id="4" name="内容占位符 3">
             <a:extLst>
               <a:ext uri="{FF2B5EF4-FFF2-40B4-BE49-F238E27FC236}">
-                <a16:creationId xmlns:a16="http://schemas.microsoft.com/office/drawing/2014/main" id="{F27D4655-FEF2-6AE9-3D6B-B24FE5234DC7}"/>
+                <a16:creationId xmlns:a16="http://schemas.microsoft.com/office/drawing/2014/main" id="{02F64B64-C7D1-21FE-7D1F-9311CEA77ED4}"/>
               </a:ext>
             </a:extLst>
           </p:cNvPr>
@@ -1659,7 +1659,7 @@
           <p:cNvPr id="5" name="文本占位符 4">
             <a:extLst>
               <a:ext uri="{FF2B5EF4-FFF2-40B4-BE49-F238E27FC236}">
-                <a16:creationId xmlns:a16="http://schemas.microsoft.com/office/drawing/2014/main" id="{EB833487-EE14-11C1-59F9-53B201C46268}"/>
+                <a16:creationId xmlns:a16="http://schemas.microsoft.com/office/drawing/2014/main" id="{A729CB48-7CEE-2589-2FBE-6A45AFA352B6}"/>
               </a:ext>
             </a:extLst>
           </p:cNvPr>
@@ -1730,7 +1730,7 @@
           <p:cNvPr id="6" name="内容占位符 5">
             <a:extLst>
               <a:ext uri="{FF2B5EF4-FFF2-40B4-BE49-F238E27FC236}">
-                <a16:creationId xmlns:a16="http://schemas.microsoft.com/office/drawing/2014/main" id="{007CAC62-1522-DB1E-F42C-0FAB561A7999}"/>
+                <a16:creationId xmlns:a16="http://schemas.microsoft.com/office/drawing/2014/main" id="{4EF4489D-A42E-1F96-B04A-3C60830A9733}"/>
               </a:ext>
             </a:extLst>
           </p:cNvPr>
@@ -1792,7 +1792,7 @@
           <p:cNvPr id="7" name="日期占位符 6">
             <a:extLst>
               <a:ext uri="{FF2B5EF4-FFF2-40B4-BE49-F238E27FC236}">
-                <a16:creationId xmlns:a16="http://schemas.microsoft.com/office/drawing/2014/main" id="{F5B4BE16-B2A8-4559-CFB4-1A72842CA490}"/>
+                <a16:creationId xmlns:a16="http://schemas.microsoft.com/office/drawing/2014/main" id="{E3B94CEE-9A49-EB10-4309-367885D8783D}"/>
               </a:ext>
             </a:extLst>
           </p:cNvPr>
@@ -1808,7 +1808,7 @@
           <a:bodyPr/>
           <a:lstStyle/>
           <a:p>
-            <a:fld id="{105625BE-D474-41FC-AD12-E0BE5E1FA45F}" type="datetimeFigureOut">
+            <a:fld id="{D434968A-0B1F-44D8-979F-568FEC0CF035}" type="datetimeFigureOut">
               <a:rPr lang="zh-CN" altLang="en-US" smtClean="0"/>
               <a:t>2024/3/10</a:t>
             </a:fld>
@@ -1821,7 +1821,7 @@
           <p:cNvPr id="8" name="页脚占位符 7">
             <a:extLst>
               <a:ext uri="{FF2B5EF4-FFF2-40B4-BE49-F238E27FC236}">
-                <a16:creationId xmlns:a16="http://schemas.microsoft.com/office/drawing/2014/main" id="{197CAE1A-050B-5C5E-83B0-B6FD07860968}"/>
+                <a16:creationId xmlns:a16="http://schemas.microsoft.com/office/drawing/2014/main" id="{F11E835A-5461-82C9-0E76-4393F165581A}"/>
               </a:ext>
             </a:extLst>
           </p:cNvPr>
@@ -1846,7 +1846,7 @@
           <p:cNvPr id="9" name="灯片编号占位符 8">
             <a:extLst>
               <a:ext uri="{FF2B5EF4-FFF2-40B4-BE49-F238E27FC236}">
-                <a16:creationId xmlns:a16="http://schemas.microsoft.com/office/drawing/2014/main" id="{F570DD24-D35A-BF42-0FC6-EC2EE010C6E0}"/>
+                <a16:creationId xmlns:a16="http://schemas.microsoft.com/office/drawing/2014/main" id="{A75A687F-FEF9-DF58-759A-4EEDD937B2AF}"/>
               </a:ext>
             </a:extLst>
           </p:cNvPr>
@@ -1862,7 +1862,7 @@
           <a:bodyPr/>
           <a:lstStyle/>
           <a:p>
-            <a:fld id="{9E07F38E-4341-4B0B-B52D-CDC9F2020C56}" type="slidenum">
+            <a:fld id="{A1D9805C-A1E9-4473-AB26-B00F8E6323A3}" type="slidenum">
               <a:rPr lang="zh-CN" altLang="en-US" smtClean="0"/>
               <a:t>‹#›</a:t>
             </a:fld>
@@ -1873,7 +1873,7 @@
     </p:spTree>
     <p:extLst>
       <p:ext uri="{BB962C8B-B14F-4D97-AF65-F5344CB8AC3E}">
-        <p14:creationId xmlns:p14="http://schemas.microsoft.com/office/powerpoint/2010/main" val="2851762511"/>
+        <p14:creationId xmlns:p14="http://schemas.microsoft.com/office/powerpoint/2010/main" val="2379524163"/>
       </p:ext>
     </p:extLst>
   </p:cSld>
@@ -1905,7 +1905,7 @@
           <p:cNvPr id="2" name="标题 1">
             <a:extLst>
               <a:ext uri="{FF2B5EF4-FFF2-40B4-BE49-F238E27FC236}">
-                <a16:creationId xmlns:a16="http://schemas.microsoft.com/office/drawing/2014/main" id="{8FFD72C4-5EF0-4C24-9EB1-93D90ABE3A70}"/>
+                <a16:creationId xmlns:a16="http://schemas.microsoft.com/office/drawing/2014/main" id="{C84572A3-EA42-D4EA-2A28-4098CE9A399E}"/>
               </a:ext>
             </a:extLst>
           </p:cNvPr>
@@ -1933,7 +1933,7 @@
           <p:cNvPr id="3" name="日期占位符 2">
             <a:extLst>
               <a:ext uri="{FF2B5EF4-FFF2-40B4-BE49-F238E27FC236}">
-                <a16:creationId xmlns:a16="http://schemas.microsoft.com/office/drawing/2014/main" id="{2EE858F7-AF47-8605-09F8-497047EE203D}"/>
+                <a16:creationId xmlns:a16="http://schemas.microsoft.com/office/drawing/2014/main" id="{52C80AE0-4443-FDF2-DED5-E2AA9B811C31}"/>
               </a:ext>
             </a:extLst>
           </p:cNvPr>
@@ -1949,7 +1949,7 @@
           <a:bodyPr/>
           <a:lstStyle/>
           <a:p>
-            <a:fld id="{105625BE-D474-41FC-AD12-E0BE5E1FA45F}" type="datetimeFigureOut">
+            <a:fld id="{D434968A-0B1F-44D8-979F-568FEC0CF035}" type="datetimeFigureOut">
               <a:rPr lang="zh-CN" altLang="en-US" smtClean="0"/>
               <a:t>2024/3/10</a:t>
             </a:fld>
@@ -1962,7 +1962,7 @@
           <p:cNvPr id="4" name="页脚占位符 3">
             <a:extLst>
               <a:ext uri="{FF2B5EF4-FFF2-40B4-BE49-F238E27FC236}">
-                <a16:creationId xmlns:a16="http://schemas.microsoft.com/office/drawing/2014/main" id="{4497617F-AB30-8A58-88F1-74CDC838D9F2}"/>
+                <a16:creationId xmlns:a16="http://schemas.microsoft.com/office/drawing/2014/main" id="{E76A08C7-31C1-39D1-1A99-7580F6D68F0C}"/>
               </a:ext>
             </a:extLst>
           </p:cNvPr>
@@ -1987,7 +1987,7 @@
           <p:cNvPr id="5" name="灯片编号占位符 4">
             <a:extLst>
               <a:ext uri="{FF2B5EF4-FFF2-40B4-BE49-F238E27FC236}">
-                <a16:creationId xmlns:a16="http://schemas.microsoft.com/office/drawing/2014/main" id="{7CE5EC73-C212-FFED-3E9B-FEC3C1467665}"/>
+                <a16:creationId xmlns:a16="http://schemas.microsoft.com/office/drawing/2014/main" id="{2549BCB8-1ABF-8953-98B2-C45D538101E0}"/>
               </a:ext>
             </a:extLst>
           </p:cNvPr>
@@ -2003,7 +2003,7 @@
           <a:bodyPr/>
           <a:lstStyle/>
           <a:p>
-            <a:fld id="{9E07F38E-4341-4B0B-B52D-CDC9F2020C56}" type="slidenum">
+            <a:fld id="{A1D9805C-A1E9-4473-AB26-B00F8E6323A3}" type="slidenum">
               <a:rPr lang="zh-CN" altLang="en-US" smtClean="0"/>
               <a:t>‹#›</a:t>
             </a:fld>
@@ -2014,7 +2014,7 @@
     </p:spTree>
     <p:extLst>
       <p:ext uri="{BB962C8B-B14F-4D97-AF65-F5344CB8AC3E}">
-        <p14:creationId xmlns:p14="http://schemas.microsoft.com/office/powerpoint/2010/main" val="1772017099"/>
+        <p14:creationId xmlns:p14="http://schemas.microsoft.com/office/powerpoint/2010/main" val="3923503003"/>
       </p:ext>
     </p:extLst>
   </p:cSld>
@@ -2046,7 +2046,7 @@
           <p:cNvPr id="2" name="日期占位符 1">
             <a:extLst>
               <a:ext uri="{FF2B5EF4-FFF2-40B4-BE49-F238E27FC236}">
-                <a16:creationId xmlns:a16="http://schemas.microsoft.com/office/drawing/2014/main" id="{6509D6AA-BCB3-C2DB-D862-C0DDBE0250D8}"/>
+                <a16:creationId xmlns:a16="http://schemas.microsoft.com/office/drawing/2014/main" id="{2F1F643F-D3F9-359C-F49E-DBA542C96702}"/>
               </a:ext>
             </a:extLst>
           </p:cNvPr>
@@ -2062,7 +2062,7 @@
           <a:bodyPr/>
           <a:lstStyle/>
           <a:p>
-            <a:fld id="{105625BE-D474-41FC-AD12-E0BE5E1FA45F}" type="datetimeFigureOut">
+            <a:fld id="{D434968A-0B1F-44D8-979F-568FEC0CF035}" type="datetimeFigureOut">
               <a:rPr lang="zh-CN" altLang="en-US" smtClean="0"/>
               <a:t>2024/3/10</a:t>
             </a:fld>
@@ -2075,7 +2075,7 @@
           <p:cNvPr id="3" name="页脚占位符 2">
             <a:extLst>
               <a:ext uri="{FF2B5EF4-FFF2-40B4-BE49-F238E27FC236}">
-                <a16:creationId xmlns:a16="http://schemas.microsoft.com/office/drawing/2014/main" id="{765681A6-1B7F-1814-EA89-80342C1270C5}"/>
+                <a16:creationId xmlns:a16="http://schemas.microsoft.com/office/drawing/2014/main" id="{B99163CE-7AA8-253F-9BD6-E774E7F3003A}"/>
               </a:ext>
             </a:extLst>
           </p:cNvPr>
@@ -2100,7 +2100,7 @@
           <p:cNvPr id="4" name="灯片编号占位符 3">
             <a:extLst>
               <a:ext uri="{FF2B5EF4-FFF2-40B4-BE49-F238E27FC236}">
-                <a16:creationId xmlns:a16="http://schemas.microsoft.com/office/drawing/2014/main" id="{140C4FA6-6B02-688F-354C-1708277FBACE}"/>
+                <a16:creationId xmlns:a16="http://schemas.microsoft.com/office/drawing/2014/main" id="{AA70337A-87B4-381A-A6E5-8F05C614228E}"/>
               </a:ext>
             </a:extLst>
           </p:cNvPr>
@@ -2116,7 +2116,7 @@
           <a:bodyPr/>
           <a:lstStyle/>
           <a:p>
-            <a:fld id="{9E07F38E-4341-4B0B-B52D-CDC9F2020C56}" type="slidenum">
+            <a:fld id="{A1D9805C-A1E9-4473-AB26-B00F8E6323A3}" type="slidenum">
               <a:rPr lang="zh-CN" altLang="en-US" smtClean="0"/>
               <a:t>‹#›</a:t>
             </a:fld>
@@ -2127,7 +2127,7 @@
     </p:spTree>
     <p:extLst>
       <p:ext uri="{BB962C8B-B14F-4D97-AF65-F5344CB8AC3E}">
-        <p14:creationId xmlns:p14="http://schemas.microsoft.com/office/powerpoint/2010/main" val="230732390"/>
+        <p14:creationId xmlns:p14="http://schemas.microsoft.com/office/powerpoint/2010/main" val="2592654451"/>
       </p:ext>
     </p:extLst>
   </p:cSld>
@@ -2159,7 +2159,7 @@
           <p:cNvPr id="2" name="标题 1">
             <a:extLst>
               <a:ext uri="{FF2B5EF4-FFF2-40B4-BE49-F238E27FC236}">
-                <a16:creationId xmlns:a16="http://schemas.microsoft.com/office/drawing/2014/main" id="{5A788742-B26E-D74C-2753-BFF8A720FB7F}"/>
+                <a16:creationId xmlns:a16="http://schemas.microsoft.com/office/drawing/2014/main" id="{04AC7FA4-6BBF-FBF8-6A18-94B7C63456E2}"/>
               </a:ext>
             </a:extLst>
           </p:cNvPr>
@@ -2196,7 +2196,7 @@
           <p:cNvPr id="3" name="内容占位符 2">
             <a:extLst>
               <a:ext uri="{FF2B5EF4-FFF2-40B4-BE49-F238E27FC236}">
-                <a16:creationId xmlns:a16="http://schemas.microsoft.com/office/drawing/2014/main" id="{4FD48C6F-5E2C-258C-E724-AE4F784851EC}"/>
+                <a16:creationId xmlns:a16="http://schemas.microsoft.com/office/drawing/2014/main" id="{6D1B7D4F-F297-802F-35E6-8AFC87921C88}"/>
               </a:ext>
             </a:extLst>
           </p:cNvPr>
@@ -2286,7 +2286,7 @@
           <p:cNvPr id="4" name="文本占位符 3">
             <a:extLst>
               <a:ext uri="{FF2B5EF4-FFF2-40B4-BE49-F238E27FC236}">
-                <a16:creationId xmlns:a16="http://schemas.microsoft.com/office/drawing/2014/main" id="{8579A9D7-E466-C12F-6D7E-CDA36BC4FF29}"/>
+                <a16:creationId xmlns:a16="http://schemas.microsoft.com/office/drawing/2014/main" id="{26BF96B6-0E01-4FC1-29E5-C25DFF7FFDCF}"/>
               </a:ext>
             </a:extLst>
           </p:cNvPr>
@@ -2357,7 +2357,7 @@
           <p:cNvPr id="5" name="日期占位符 4">
             <a:extLst>
               <a:ext uri="{FF2B5EF4-FFF2-40B4-BE49-F238E27FC236}">
-                <a16:creationId xmlns:a16="http://schemas.microsoft.com/office/drawing/2014/main" id="{34DB7706-8D0B-33FF-F9FE-A610911E995C}"/>
+                <a16:creationId xmlns:a16="http://schemas.microsoft.com/office/drawing/2014/main" id="{F2B59C5C-EAF8-8949-7F82-FC7F1B8443C9}"/>
               </a:ext>
             </a:extLst>
           </p:cNvPr>
@@ -2373,7 +2373,7 @@
           <a:bodyPr/>
           <a:lstStyle/>
           <a:p>
-            <a:fld id="{105625BE-D474-41FC-AD12-E0BE5E1FA45F}" type="datetimeFigureOut">
+            <a:fld id="{D434968A-0B1F-44D8-979F-568FEC0CF035}" type="datetimeFigureOut">
               <a:rPr lang="zh-CN" altLang="en-US" smtClean="0"/>
               <a:t>2024/3/10</a:t>
             </a:fld>
@@ -2386,7 +2386,7 @@
           <p:cNvPr id="6" name="页脚占位符 5">
             <a:extLst>
               <a:ext uri="{FF2B5EF4-FFF2-40B4-BE49-F238E27FC236}">
-                <a16:creationId xmlns:a16="http://schemas.microsoft.com/office/drawing/2014/main" id="{4C7FE317-4D27-FF0C-D27F-DAD784A40A70}"/>
+                <a16:creationId xmlns:a16="http://schemas.microsoft.com/office/drawing/2014/main" id="{4ECF24AC-2917-4AB3-A084-5339CDEA4569}"/>
               </a:ext>
             </a:extLst>
           </p:cNvPr>
@@ -2411,7 +2411,7 @@
           <p:cNvPr id="7" name="灯片编号占位符 6">
             <a:extLst>
               <a:ext uri="{FF2B5EF4-FFF2-40B4-BE49-F238E27FC236}">
-                <a16:creationId xmlns:a16="http://schemas.microsoft.com/office/drawing/2014/main" id="{B903D390-EE27-ED2D-9E34-55C5AF723F8B}"/>
+                <a16:creationId xmlns:a16="http://schemas.microsoft.com/office/drawing/2014/main" id="{99F9F16C-246F-DEE7-36B1-ADF99CBCB961}"/>
               </a:ext>
             </a:extLst>
           </p:cNvPr>
@@ -2427,7 +2427,7 @@
           <a:bodyPr/>
           <a:lstStyle/>
           <a:p>
-            <a:fld id="{9E07F38E-4341-4B0B-B52D-CDC9F2020C56}" type="slidenum">
+            <a:fld id="{A1D9805C-A1E9-4473-AB26-B00F8E6323A3}" type="slidenum">
               <a:rPr lang="zh-CN" altLang="en-US" smtClean="0"/>
               <a:t>‹#›</a:t>
             </a:fld>
@@ -2438,7 +2438,7 @@
     </p:spTree>
     <p:extLst>
       <p:ext uri="{BB962C8B-B14F-4D97-AF65-F5344CB8AC3E}">
-        <p14:creationId xmlns:p14="http://schemas.microsoft.com/office/powerpoint/2010/main" val="3471666602"/>
+        <p14:creationId xmlns:p14="http://schemas.microsoft.com/office/powerpoint/2010/main" val="560573947"/>
       </p:ext>
     </p:extLst>
   </p:cSld>
@@ -2470,7 +2470,7 @@
           <p:cNvPr id="2" name="标题 1">
             <a:extLst>
               <a:ext uri="{FF2B5EF4-FFF2-40B4-BE49-F238E27FC236}">
-                <a16:creationId xmlns:a16="http://schemas.microsoft.com/office/drawing/2014/main" id="{A97ABECC-11EC-3BED-CB9B-4A2C980F9625}"/>
+                <a16:creationId xmlns:a16="http://schemas.microsoft.com/office/drawing/2014/main" id="{3FBB4D4B-1458-1084-174D-CD86AB9F8AB9}"/>
               </a:ext>
             </a:extLst>
           </p:cNvPr>
@@ -2507,7 +2507,7 @@
           <p:cNvPr id="3" name="图片占位符 2">
             <a:extLst>
               <a:ext uri="{FF2B5EF4-FFF2-40B4-BE49-F238E27FC236}">
-                <a16:creationId xmlns:a16="http://schemas.microsoft.com/office/drawing/2014/main" id="{5E6CB7E7-D7AC-5BC7-508F-A2BB69C9A9B0}"/>
+                <a16:creationId xmlns:a16="http://schemas.microsoft.com/office/drawing/2014/main" id="{3214BBE1-8D73-131D-3435-254CA7A9DAA8}"/>
               </a:ext>
             </a:extLst>
           </p:cNvPr>
@@ -2574,7 +2574,7 @@
           <p:cNvPr id="4" name="文本占位符 3">
             <a:extLst>
               <a:ext uri="{FF2B5EF4-FFF2-40B4-BE49-F238E27FC236}">
-                <a16:creationId xmlns:a16="http://schemas.microsoft.com/office/drawing/2014/main" id="{A37C5537-E457-BA9C-D3BC-6DACF4A4C487}"/>
+                <a16:creationId xmlns:a16="http://schemas.microsoft.com/office/drawing/2014/main" id="{7C321F0F-C35C-8068-14F2-3D8A4492E4E1}"/>
               </a:ext>
             </a:extLst>
           </p:cNvPr>
@@ -2645,7 +2645,7 @@
           <p:cNvPr id="5" name="日期占位符 4">
             <a:extLst>
               <a:ext uri="{FF2B5EF4-FFF2-40B4-BE49-F238E27FC236}">
-                <a16:creationId xmlns:a16="http://schemas.microsoft.com/office/drawing/2014/main" id="{1FEA0962-B850-BE85-8D64-1F098EFD4740}"/>
+                <a16:creationId xmlns:a16="http://schemas.microsoft.com/office/drawing/2014/main" id="{3E27A93E-C439-F893-71A6-E2290C11F3B9}"/>
               </a:ext>
             </a:extLst>
           </p:cNvPr>
@@ -2661,7 +2661,7 @@
           <a:bodyPr/>
           <a:lstStyle/>
           <a:p>
-            <a:fld id="{105625BE-D474-41FC-AD12-E0BE5E1FA45F}" type="datetimeFigureOut">
+            <a:fld id="{D434968A-0B1F-44D8-979F-568FEC0CF035}" type="datetimeFigureOut">
               <a:rPr lang="zh-CN" altLang="en-US" smtClean="0"/>
               <a:t>2024/3/10</a:t>
             </a:fld>
@@ -2674,7 +2674,7 @@
           <p:cNvPr id="6" name="页脚占位符 5">
             <a:extLst>
               <a:ext uri="{FF2B5EF4-FFF2-40B4-BE49-F238E27FC236}">
-                <a16:creationId xmlns:a16="http://schemas.microsoft.com/office/drawing/2014/main" id="{B664FE0B-4829-D653-FC06-A40A77456C7F}"/>
+                <a16:creationId xmlns:a16="http://schemas.microsoft.com/office/drawing/2014/main" id="{D59910FA-4DF1-6471-190B-8C78E7297CAF}"/>
               </a:ext>
             </a:extLst>
           </p:cNvPr>
@@ -2699,7 +2699,7 @@
           <p:cNvPr id="7" name="灯片编号占位符 6">
             <a:extLst>
               <a:ext uri="{FF2B5EF4-FFF2-40B4-BE49-F238E27FC236}">
-                <a16:creationId xmlns:a16="http://schemas.microsoft.com/office/drawing/2014/main" id="{E41FEDE9-0344-021E-CAF1-EDD20CF76CDA}"/>
+                <a16:creationId xmlns:a16="http://schemas.microsoft.com/office/drawing/2014/main" id="{0B8586B6-B764-27A4-4314-26F5E28AB30F}"/>
               </a:ext>
             </a:extLst>
           </p:cNvPr>
@@ -2715,7 +2715,7 @@
           <a:bodyPr/>
           <a:lstStyle/>
           <a:p>
-            <a:fld id="{9E07F38E-4341-4B0B-B52D-CDC9F2020C56}" type="slidenum">
+            <a:fld id="{A1D9805C-A1E9-4473-AB26-B00F8E6323A3}" type="slidenum">
               <a:rPr lang="zh-CN" altLang="en-US" smtClean="0"/>
               <a:t>‹#›</a:t>
             </a:fld>
@@ -2726,7 +2726,7 @@
     </p:spTree>
     <p:extLst>
       <p:ext uri="{BB962C8B-B14F-4D97-AF65-F5344CB8AC3E}">
-        <p14:creationId xmlns:p14="http://schemas.microsoft.com/office/powerpoint/2010/main" val="4150800046"/>
+        <p14:creationId xmlns:p14="http://schemas.microsoft.com/office/powerpoint/2010/main" val="3461048542"/>
       </p:ext>
     </p:extLst>
   </p:cSld>
@@ -2763,7 +2763,7 @@
           <p:cNvPr id="2" name="标题占位符 1">
             <a:extLst>
               <a:ext uri="{FF2B5EF4-FFF2-40B4-BE49-F238E27FC236}">
-                <a16:creationId xmlns:a16="http://schemas.microsoft.com/office/drawing/2014/main" id="{815DBB53-DA69-8A14-06D4-B183FA9DC913}"/>
+                <a16:creationId xmlns:a16="http://schemas.microsoft.com/office/drawing/2014/main" id="{E48C25C5-0F3C-965F-BE75-83A6ED417DE1}"/>
               </a:ext>
             </a:extLst>
           </p:cNvPr>
@@ -2801,7 +2801,7 @@
           <p:cNvPr id="3" name="文本占位符 2">
             <a:extLst>
               <a:ext uri="{FF2B5EF4-FFF2-40B4-BE49-F238E27FC236}">
-                <a16:creationId xmlns:a16="http://schemas.microsoft.com/office/drawing/2014/main" id="{98AB4C39-C157-801C-6088-E46013F6CD01}"/>
+                <a16:creationId xmlns:a16="http://schemas.microsoft.com/office/drawing/2014/main" id="{5364E2A0-B5AA-8DE8-5854-F5DE57676581}"/>
               </a:ext>
             </a:extLst>
           </p:cNvPr>
@@ -2868,7 +2868,7 @@
           <p:cNvPr id="4" name="日期占位符 3">
             <a:extLst>
               <a:ext uri="{FF2B5EF4-FFF2-40B4-BE49-F238E27FC236}">
-                <a16:creationId xmlns:a16="http://schemas.microsoft.com/office/drawing/2014/main" id="{E8C5CCA5-B885-3FBD-43AF-B0F3600EC193}"/>
+                <a16:creationId xmlns:a16="http://schemas.microsoft.com/office/drawing/2014/main" id="{61951FDA-22E7-E410-B0D8-03A400D64565}"/>
               </a:ext>
             </a:extLst>
           </p:cNvPr>
@@ -2902,7 +2902,7 @@
             </a:lvl1pPr>
           </a:lstStyle>
           <a:p>
-            <a:fld id="{105625BE-D474-41FC-AD12-E0BE5E1FA45F}" type="datetimeFigureOut">
+            <a:fld id="{D434968A-0B1F-44D8-979F-568FEC0CF035}" type="datetimeFigureOut">
               <a:rPr lang="zh-CN" altLang="en-US" smtClean="0"/>
               <a:t>2024/3/10</a:t>
             </a:fld>
@@ -2915,7 +2915,7 @@
           <p:cNvPr id="5" name="页脚占位符 4">
             <a:extLst>
               <a:ext uri="{FF2B5EF4-FFF2-40B4-BE49-F238E27FC236}">
-                <a16:creationId xmlns:a16="http://schemas.microsoft.com/office/drawing/2014/main" id="{469E6283-EA51-E9BD-886F-9F05794A2EB8}"/>
+                <a16:creationId xmlns:a16="http://schemas.microsoft.com/office/drawing/2014/main" id="{2666EC2B-6998-923B-7FFC-BEC033BF9F0D}"/>
               </a:ext>
             </a:extLst>
           </p:cNvPr>
@@ -2958,7 +2958,7 @@
           <p:cNvPr id="6" name="灯片编号占位符 5">
             <a:extLst>
               <a:ext uri="{FF2B5EF4-FFF2-40B4-BE49-F238E27FC236}">
-                <a16:creationId xmlns:a16="http://schemas.microsoft.com/office/drawing/2014/main" id="{80B57816-628C-0EDA-F7EB-E0404EBC3DEF}"/>
+                <a16:creationId xmlns:a16="http://schemas.microsoft.com/office/drawing/2014/main" id="{B6CA9560-01A4-9A2D-AD7E-4C425CEDDE7C}"/>
               </a:ext>
             </a:extLst>
           </p:cNvPr>
@@ -2992,7 +2992,7 @@
             </a:lvl1pPr>
           </a:lstStyle>
           <a:p>
-            <a:fld id="{9E07F38E-4341-4B0B-B52D-CDC9F2020C56}" type="slidenum">
+            <a:fld id="{A1D9805C-A1E9-4473-AB26-B00F8E6323A3}" type="slidenum">
               <a:rPr lang="zh-CN" altLang="en-US" smtClean="0"/>
               <a:t>‹#›</a:t>
             </a:fld>
@@ -3003,7 +3003,7 @@
     </p:spTree>
     <p:extLst>
       <p:ext uri="{BB962C8B-B14F-4D97-AF65-F5344CB8AC3E}">
-        <p14:creationId xmlns:p14="http://schemas.microsoft.com/office/powerpoint/2010/main" val="1402026279"/>
+        <p14:creationId xmlns:p14="http://schemas.microsoft.com/office/powerpoint/2010/main" val="2752119857"/>
       </p:ext>
     </p:extLst>
   </p:cSld>
